--- a/ppt 16-9/1471.主啊我愿作个.pptx
+++ b/ppt 16-9/1471.主啊我愿作个.pptx
@@ -5,7 +5,7 @@
     <p:sldMasterId id="2147483648" r:id="rId1"/>
   </p:sldMasterIdLst>
   <p:sldIdLst>
-    <p:sldId id="1045" r:id="rId2"/>
+    <p:sldId id="1046" r:id="rId2"/>
   </p:sldIdLst>
   <p:sldSz cx="12192000" cy="6858000"/>
   <p:notesSz cx="6858000" cy="9144000"/>
@@ -129,7 +129,7 @@
           <p:cNvPr id="2" name="标题 1">
             <a:extLst>
               <a:ext uri="{FF2B5EF4-FFF2-40B4-BE49-F238E27FC236}">
-                <a16:creationId xmlns:a16="http://schemas.microsoft.com/office/drawing/2014/main" id="{1687D8A4-5D94-9ED6-7436-7616C78FC7F5}"/>
+                <a16:creationId xmlns:a16="http://schemas.microsoft.com/office/drawing/2014/main" id="{B153FE43-66C4-ACAD-870D-99F43C875800}"/>
               </a:ext>
             </a:extLst>
           </p:cNvPr>
@@ -166,7 +166,7 @@
           <p:cNvPr id="3" name="副标题 2">
             <a:extLst>
               <a:ext uri="{FF2B5EF4-FFF2-40B4-BE49-F238E27FC236}">
-                <a16:creationId xmlns:a16="http://schemas.microsoft.com/office/drawing/2014/main" id="{59D11A7D-05C6-F68B-3C45-D7C142F4AA52}"/>
+                <a16:creationId xmlns:a16="http://schemas.microsoft.com/office/drawing/2014/main" id="{ACCE5923-DE73-99DD-BAA6-12499CA1A0BC}"/>
               </a:ext>
             </a:extLst>
           </p:cNvPr>
@@ -236,7 +236,7 @@
           <p:cNvPr id="4" name="日期占位符 3">
             <a:extLst>
               <a:ext uri="{FF2B5EF4-FFF2-40B4-BE49-F238E27FC236}">
-                <a16:creationId xmlns:a16="http://schemas.microsoft.com/office/drawing/2014/main" id="{527F73BC-8449-CC90-255F-9211021CE0C5}"/>
+                <a16:creationId xmlns:a16="http://schemas.microsoft.com/office/drawing/2014/main" id="{943BE071-1431-8496-6EC0-EA67585BDDEA}"/>
               </a:ext>
             </a:extLst>
           </p:cNvPr>
@@ -252,7 +252,7 @@
           <a:bodyPr/>
           <a:lstStyle/>
           <a:p>
-            <a:fld id="{50434820-CA4A-4BEC-AFD9-15AD9B0EB6D5}" type="datetimeFigureOut">
+            <a:fld id="{82025CB0-7F1A-4BBB-8652-235BAB4B7304}" type="datetimeFigureOut">
               <a:rPr lang="zh-CN" altLang="en-US" smtClean="0"/>
               <a:t>2024/3/10</a:t>
             </a:fld>
@@ -265,7 +265,7 @@
           <p:cNvPr id="5" name="页脚占位符 4">
             <a:extLst>
               <a:ext uri="{FF2B5EF4-FFF2-40B4-BE49-F238E27FC236}">
-                <a16:creationId xmlns:a16="http://schemas.microsoft.com/office/drawing/2014/main" id="{6374AAAD-BF03-80B5-8166-0C6870EBB9DE}"/>
+                <a16:creationId xmlns:a16="http://schemas.microsoft.com/office/drawing/2014/main" id="{52C833A9-807D-92FB-F87F-0072AF2FFC6D}"/>
               </a:ext>
             </a:extLst>
           </p:cNvPr>
@@ -290,7 +290,7 @@
           <p:cNvPr id="6" name="灯片编号占位符 5">
             <a:extLst>
               <a:ext uri="{FF2B5EF4-FFF2-40B4-BE49-F238E27FC236}">
-                <a16:creationId xmlns:a16="http://schemas.microsoft.com/office/drawing/2014/main" id="{DA7C28F3-9497-B633-6AB7-F75308EDF086}"/>
+                <a16:creationId xmlns:a16="http://schemas.microsoft.com/office/drawing/2014/main" id="{AEE6AEF8-F4DA-702D-D6B6-9EBF4E0B9029}"/>
               </a:ext>
             </a:extLst>
           </p:cNvPr>
@@ -306,7 +306,7 @@
           <a:bodyPr/>
           <a:lstStyle/>
           <a:p>
-            <a:fld id="{8774E621-DED0-43DA-81E9-8A2BC005109C}" type="slidenum">
+            <a:fld id="{5BF8ADF8-1CC3-43BF-8C7D-D74A238886E3}" type="slidenum">
               <a:rPr lang="zh-CN" altLang="en-US" smtClean="0"/>
               <a:t>‹#›</a:t>
             </a:fld>
@@ -317,7 +317,7 @@
     </p:spTree>
     <p:extLst>
       <p:ext uri="{BB962C8B-B14F-4D97-AF65-F5344CB8AC3E}">
-        <p14:creationId xmlns:p14="http://schemas.microsoft.com/office/powerpoint/2010/main" val="292983789"/>
+        <p14:creationId xmlns:p14="http://schemas.microsoft.com/office/powerpoint/2010/main" val="2747283802"/>
       </p:ext>
     </p:extLst>
   </p:cSld>
@@ -349,7 +349,7 @@
           <p:cNvPr id="2" name="标题 1">
             <a:extLst>
               <a:ext uri="{FF2B5EF4-FFF2-40B4-BE49-F238E27FC236}">
-                <a16:creationId xmlns:a16="http://schemas.microsoft.com/office/drawing/2014/main" id="{DFADB042-F34E-65C9-549D-D97BEEC53F85}"/>
+                <a16:creationId xmlns:a16="http://schemas.microsoft.com/office/drawing/2014/main" id="{0DDD6008-2593-D679-7500-7518A813FAC0}"/>
               </a:ext>
             </a:extLst>
           </p:cNvPr>
@@ -377,7 +377,7 @@
           <p:cNvPr id="3" name="竖排文字占位符 2">
             <a:extLst>
               <a:ext uri="{FF2B5EF4-FFF2-40B4-BE49-F238E27FC236}">
-                <a16:creationId xmlns:a16="http://schemas.microsoft.com/office/drawing/2014/main" id="{FF26EFAD-9A8D-C58F-68D2-161B4FCE1DFE}"/>
+                <a16:creationId xmlns:a16="http://schemas.microsoft.com/office/drawing/2014/main" id="{C74BC8A6-AA22-7FA4-AB1A-B8A2243B3FF4}"/>
               </a:ext>
             </a:extLst>
           </p:cNvPr>
@@ -434,7 +434,7 @@
           <p:cNvPr id="4" name="日期占位符 3">
             <a:extLst>
               <a:ext uri="{FF2B5EF4-FFF2-40B4-BE49-F238E27FC236}">
-                <a16:creationId xmlns:a16="http://schemas.microsoft.com/office/drawing/2014/main" id="{5522262B-27C8-9528-2AF8-0A6CCC4970A0}"/>
+                <a16:creationId xmlns:a16="http://schemas.microsoft.com/office/drawing/2014/main" id="{D7583E0F-BFDA-122C-3BC7-4586C8911283}"/>
               </a:ext>
             </a:extLst>
           </p:cNvPr>
@@ -450,7 +450,7 @@
           <a:bodyPr/>
           <a:lstStyle/>
           <a:p>
-            <a:fld id="{50434820-CA4A-4BEC-AFD9-15AD9B0EB6D5}" type="datetimeFigureOut">
+            <a:fld id="{82025CB0-7F1A-4BBB-8652-235BAB4B7304}" type="datetimeFigureOut">
               <a:rPr lang="zh-CN" altLang="en-US" smtClean="0"/>
               <a:t>2024/3/10</a:t>
             </a:fld>
@@ -463,7 +463,7 @@
           <p:cNvPr id="5" name="页脚占位符 4">
             <a:extLst>
               <a:ext uri="{FF2B5EF4-FFF2-40B4-BE49-F238E27FC236}">
-                <a16:creationId xmlns:a16="http://schemas.microsoft.com/office/drawing/2014/main" id="{FFF3E0FD-7F2E-84D9-4717-AF860D63EAB9}"/>
+                <a16:creationId xmlns:a16="http://schemas.microsoft.com/office/drawing/2014/main" id="{30716C9F-BE96-2C17-28CD-A0DB1B81BECE}"/>
               </a:ext>
             </a:extLst>
           </p:cNvPr>
@@ -488,7 +488,7 @@
           <p:cNvPr id="6" name="灯片编号占位符 5">
             <a:extLst>
               <a:ext uri="{FF2B5EF4-FFF2-40B4-BE49-F238E27FC236}">
-                <a16:creationId xmlns:a16="http://schemas.microsoft.com/office/drawing/2014/main" id="{A9270EB5-C080-0AC4-EF71-14B6A80D34D7}"/>
+                <a16:creationId xmlns:a16="http://schemas.microsoft.com/office/drawing/2014/main" id="{1BFEF12F-95B6-E4ED-317B-0B81A0D78AA0}"/>
               </a:ext>
             </a:extLst>
           </p:cNvPr>
@@ -504,7 +504,7 @@
           <a:bodyPr/>
           <a:lstStyle/>
           <a:p>
-            <a:fld id="{8774E621-DED0-43DA-81E9-8A2BC005109C}" type="slidenum">
+            <a:fld id="{5BF8ADF8-1CC3-43BF-8C7D-D74A238886E3}" type="slidenum">
               <a:rPr lang="zh-CN" altLang="en-US" smtClean="0"/>
               <a:t>‹#›</a:t>
             </a:fld>
@@ -515,7 +515,7 @@
     </p:spTree>
     <p:extLst>
       <p:ext uri="{BB962C8B-B14F-4D97-AF65-F5344CB8AC3E}">
-        <p14:creationId xmlns:p14="http://schemas.microsoft.com/office/powerpoint/2010/main" val="876745061"/>
+        <p14:creationId xmlns:p14="http://schemas.microsoft.com/office/powerpoint/2010/main" val="3528447612"/>
       </p:ext>
     </p:extLst>
   </p:cSld>
@@ -547,7 +547,7 @@
           <p:cNvPr id="2" name="竖排标题 1">
             <a:extLst>
               <a:ext uri="{FF2B5EF4-FFF2-40B4-BE49-F238E27FC236}">
-                <a16:creationId xmlns:a16="http://schemas.microsoft.com/office/drawing/2014/main" id="{4DAEAF98-809D-2875-DD2D-00AA5F25C381}"/>
+                <a16:creationId xmlns:a16="http://schemas.microsoft.com/office/drawing/2014/main" id="{EA091E01-2904-9007-F694-82D83B198455}"/>
               </a:ext>
             </a:extLst>
           </p:cNvPr>
@@ -580,7 +580,7 @@
           <p:cNvPr id="3" name="竖排文字占位符 2">
             <a:extLst>
               <a:ext uri="{FF2B5EF4-FFF2-40B4-BE49-F238E27FC236}">
-                <a16:creationId xmlns:a16="http://schemas.microsoft.com/office/drawing/2014/main" id="{93E44496-448B-79FE-5895-E9E2708258BA}"/>
+                <a16:creationId xmlns:a16="http://schemas.microsoft.com/office/drawing/2014/main" id="{6D114F99-2F35-D664-2EC1-9D2FCF4C8EAD}"/>
               </a:ext>
             </a:extLst>
           </p:cNvPr>
@@ -642,7 +642,7 @@
           <p:cNvPr id="4" name="日期占位符 3">
             <a:extLst>
               <a:ext uri="{FF2B5EF4-FFF2-40B4-BE49-F238E27FC236}">
-                <a16:creationId xmlns:a16="http://schemas.microsoft.com/office/drawing/2014/main" id="{F62B1936-595D-664E-25B8-57B4DFD7CD33}"/>
+                <a16:creationId xmlns:a16="http://schemas.microsoft.com/office/drawing/2014/main" id="{7A4F3286-4409-E42E-BDE5-1CD20D6C9B2B}"/>
               </a:ext>
             </a:extLst>
           </p:cNvPr>
@@ -658,7 +658,7 @@
           <a:bodyPr/>
           <a:lstStyle/>
           <a:p>
-            <a:fld id="{50434820-CA4A-4BEC-AFD9-15AD9B0EB6D5}" type="datetimeFigureOut">
+            <a:fld id="{82025CB0-7F1A-4BBB-8652-235BAB4B7304}" type="datetimeFigureOut">
               <a:rPr lang="zh-CN" altLang="en-US" smtClean="0"/>
               <a:t>2024/3/10</a:t>
             </a:fld>
@@ -671,7 +671,7 @@
           <p:cNvPr id="5" name="页脚占位符 4">
             <a:extLst>
               <a:ext uri="{FF2B5EF4-FFF2-40B4-BE49-F238E27FC236}">
-                <a16:creationId xmlns:a16="http://schemas.microsoft.com/office/drawing/2014/main" id="{AE130087-992D-0601-1EC2-0477803B9D16}"/>
+                <a16:creationId xmlns:a16="http://schemas.microsoft.com/office/drawing/2014/main" id="{530EC247-28BB-931F-B1DE-7539EFCADF12}"/>
               </a:ext>
             </a:extLst>
           </p:cNvPr>
@@ -696,7 +696,7 @@
           <p:cNvPr id="6" name="灯片编号占位符 5">
             <a:extLst>
               <a:ext uri="{FF2B5EF4-FFF2-40B4-BE49-F238E27FC236}">
-                <a16:creationId xmlns:a16="http://schemas.microsoft.com/office/drawing/2014/main" id="{52348FDA-E8EF-2ABA-25DA-851FA5FF84E3}"/>
+                <a16:creationId xmlns:a16="http://schemas.microsoft.com/office/drawing/2014/main" id="{12571C7F-AE65-6401-9725-A324E9177818}"/>
               </a:ext>
             </a:extLst>
           </p:cNvPr>
@@ -712,7 +712,7 @@
           <a:bodyPr/>
           <a:lstStyle/>
           <a:p>
-            <a:fld id="{8774E621-DED0-43DA-81E9-8A2BC005109C}" type="slidenum">
+            <a:fld id="{5BF8ADF8-1CC3-43BF-8C7D-D74A238886E3}" type="slidenum">
               <a:rPr lang="zh-CN" altLang="en-US" smtClean="0"/>
               <a:t>‹#›</a:t>
             </a:fld>
@@ -723,7 +723,7 @@
     </p:spTree>
     <p:extLst>
       <p:ext uri="{BB962C8B-B14F-4D97-AF65-F5344CB8AC3E}">
-        <p14:creationId xmlns:p14="http://schemas.microsoft.com/office/powerpoint/2010/main" val="1155973139"/>
+        <p14:creationId xmlns:p14="http://schemas.microsoft.com/office/powerpoint/2010/main" val="2458781763"/>
       </p:ext>
     </p:extLst>
   </p:cSld>
@@ -755,7 +755,7 @@
           <p:cNvPr id="2" name="标题 1">
             <a:extLst>
               <a:ext uri="{FF2B5EF4-FFF2-40B4-BE49-F238E27FC236}">
-                <a16:creationId xmlns:a16="http://schemas.microsoft.com/office/drawing/2014/main" id="{679365E1-BE46-B24C-ABCB-74DDDD1F516F}"/>
+                <a16:creationId xmlns:a16="http://schemas.microsoft.com/office/drawing/2014/main" id="{0452793E-B7A1-E859-4B11-7227A85B81CC}"/>
               </a:ext>
             </a:extLst>
           </p:cNvPr>
@@ -783,7 +783,7 @@
           <p:cNvPr id="3" name="内容占位符 2">
             <a:extLst>
               <a:ext uri="{FF2B5EF4-FFF2-40B4-BE49-F238E27FC236}">
-                <a16:creationId xmlns:a16="http://schemas.microsoft.com/office/drawing/2014/main" id="{F352FF91-31BA-33B4-58B3-84A12E3BC803}"/>
+                <a16:creationId xmlns:a16="http://schemas.microsoft.com/office/drawing/2014/main" id="{55B409A4-E400-6917-4EC5-5FA9BDDB2ED9}"/>
               </a:ext>
             </a:extLst>
           </p:cNvPr>
@@ -840,7 +840,7 @@
           <p:cNvPr id="4" name="日期占位符 3">
             <a:extLst>
               <a:ext uri="{FF2B5EF4-FFF2-40B4-BE49-F238E27FC236}">
-                <a16:creationId xmlns:a16="http://schemas.microsoft.com/office/drawing/2014/main" id="{5A9E4368-2D4E-E462-5E33-8F4436998E98}"/>
+                <a16:creationId xmlns:a16="http://schemas.microsoft.com/office/drawing/2014/main" id="{0FD54F4C-1B57-73C2-B443-3AB24CD7332C}"/>
               </a:ext>
             </a:extLst>
           </p:cNvPr>
@@ -856,7 +856,7 @@
           <a:bodyPr/>
           <a:lstStyle/>
           <a:p>
-            <a:fld id="{50434820-CA4A-4BEC-AFD9-15AD9B0EB6D5}" type="datetimeFigureOut">
+            <a:fld id="{82025CB0-7F1A-4BBB-8652-235BAB4B7304}" type="datetimeFigureOut">
               <a:rPr lang="zh-CN" altLang="en-US" smtClean="0"/>
               <a:t>2024/3/10</a:t>
             </a:fld>
@@ -869,7 +869,7 @@
           <p:cNvPr id="5" name="页脚占位符 4">
             <a:extLst>
               <a:ext uri="{FF2B5EF4-FFF2-40B4-BE49-F238E27FC236}">
-                <a16:creationId xmlns:a16="http://schemas.microsoft.com/office/drawing/2014/main" id="{EB000DCC-E928-3795-7FDF-4354F4079064}"/>
+                <a16:creationId xmlns:a16="http://schemas.microsoft.com/office/drawing/2014/main" id="{83816D7A-F026-131A-AEFD-2E238AD8F7F2}"/>
               </a:ext>
             </a:extLst>
           </p:cNvPr>
@@ -894,7 +894,7 @@
           <p:cNvPr id="6" name="灯片编号占位符 5">
             <a:extLst>
               <a:ext uri="{FF2B5EF4-FFF2-40B4-BE49-F238E27FC236}">
-                <a16:creationId xmlns:a16="http://schemas.microsoft.com/office/drawing/2014/main" id="{8863BD53-7DA7-3BF1-221E-9FA79F463415}"/>
+                <a16:creationId xmlns:a16="http://schemas.microsoft.com/office/drawing/2014/main" id="{FE27CD4A-0AF2-3789-0658-5F5704F81DED}"/>
               </a:ext>
             </a:extLst>
           </p:cNvPr>
@@ -910,7 +910,7 @@
           <a:bodyPr/>
           <a:lstStyle/>
           <a:p>
-            <a:fld id="{8774E621-DED0-43DA-81E9-8A2BC005109C}" type="slidenum">
+            <a:fld id="{5BF8ADF8-1CC3-43BF-8C7D-D74A238886E3}" type="slidenum">
               <a:rPr lang="zh-CN" altLang="en-US" smtClean="0"/>
               <a:t>‹#›</a:t>
             </a:fld>
@@ -921,7 +921,7 @@
     </p:spTree>
     <p:extLst>
       <p:ext uri="{BB962C8B-B14F-4D97-AF65-F5344CB8AC3E}">
-        <p14:creationId xmlns:p14="http://schemas.microsoft.com/office/powerpoint/2010/main" val="3298348672"/>
+        <p14:creationId xmlns:p14="http://schemas.microsoft.com/office/powerpoint/2010/main" val="594968118"/>
       </p:ext>
     </p:extLst>
   </p:cSld>
@@ -953,7 +953,7 @@
           <p:cNvPr id="2" name="标题 1">
             <a:extLst>
               <a:ext uri="{FF2B5EF4-FFF2-40B4-BE49-F238E27FC236}">
-                <a16:creationId xmlns:a16="http://schemas.microsoft.com/office/drawing/2014/main" id="{311D5FC6-F82F-A941-A553-1466FC083B4D}"/>
+                <a16:creationId xmlns:a16="http://schemas.microsoft.com/office/drawing/2014/main" id="{B9E09CBB-0B04-F855-43AD-301A7EC75135}"/>
               </a:ext>
             </a:extLst>
           </p:cNvPr>
@@ -990,7 +990,7 @@
           <p:cNvPr id="3" name="文本占位符 2">
             <a:extLst>
               <a:ext uri="{FF2B5EF4-FFF2-40B4-BE49-F238E27FC236}">
-                <a16:creationId xmlns:a16="http://schemas.microsoft.com/office/drawing/2014/main" id="{EC4098C4-3DBC-7558-BEA5-DC736CFAF965}"/>
+                <a16:creationId xmlns:a16="http://schemas.microsoft.com/office/drawing/2014/main" id="{0D77AD39-48E2-8CBF-509C-34E002B8E7D0}"/>
               </a:ext>
             </a:extLst>
           </p:cNvPr>
@@ -1115,7 +1115,7 @@
           <p:cNvPr id="4" name="日期占位符 3">
             <a:extLst>
               <a:ext uri="{FF2B5EF4-FFF2-40B4-BE49-F238E27FC236}">
-                <a16:creationId xmlns:a16="http://schemas.microsoft.com/office/drawing/2014/main" id="{C3A7630C-FA3C-BC19-F030-AD47A01B1C65}"/>
+                <a16:creationId xmlns:a16="http://schemas.microsoft.com/office/drawing/2014/main" id="{02CC6E2E-D36A-3A37-ACCF-2E47E3FB52EE}"/>
               </a:ext>
             </a:extLst>
           </p:cNvPr>
@@ -1131,7 +1131,7 @@
           <a:bodyPr/>
           <a:lstStyle/>
           <a:p>
-            <a:fld id="{50434820-CA4A-4BEC-AFD9-15AD9B0EB6D5}" type="datetimeFigureOut">
+            <a:fld id="{82025CB0-7F1A-4BBB-8652-235BAB4B7304}" type="datetimeFigureOut">
               <a:rPr lang="zh-CN" altLang="en-US" smtClean="0"/>
               <a:t>2024/3/10</a:t>
             </a:fld>
@@ -1144,7 +1144,7 @@
           <p:cNvPr id="5" name="页脚占位符 4">
             <a:extLst>
               <a:ext uri="{FF2B5EF4-FFF2-40B4-BE49-F238E27FC236}">
-                <a16:creationId xmlns:a16="http://schemas.microsoft.com/office/drawing/2014/main" id="{5272EDB7-5AF2-2044-1770-954C6189C4A5}"/>
+                <a16:creationId xmlns:a16="http://schemas.microsoft.com/office/drawing/2014/main" id="{43920D97-2021-EFC5-9EAB-F824CB944DEA}"/>
               </a:ext>
             </a:extLst>
           </p:cNvPr>
@@ -1169,7 +1169,7 @@
           <p:cNvPr id="6" name="灯片编号占位符 5">
             <a:extLst>
               <a:ext uri="{FF2B5EF4-FFF2-40B4-BE49-F238E27FC236}">
-                <a16:creationId xmlns:a16="http://schemas.microsoft.com/office/drawing/2014/main" id="{356374D2-8983-0E7F-DB09-EEF369931708}"/>
+                <a16:creationId xmlns:a16="http://schemas.microsoft.com/office/drawing/2014/main" id="{79C13DC2-8B41-7F77-4613-9E55C0941CD0}"/>
               </a:ext>
             </a:extLst>
           </p:cNvPr>
@@ -1185,7 +1185,7 @@
           <a:bodyPr/>
           <a:lstStyle/>
           <a:p>
-            <a:fld id="{8774E621-DED0-43DA-81E9-8A2BC005109C}" type="slidenum">
+            <a:fld id="{5BF8ADF8-1CC3-43BF-8C7D-D74A238886E3}" type="slidenum">
               <a:rPr lang="zh-CN" altLang="en-US" smtClean="0"/>
               <a:t>‹#›</a:t>
             </a:fld>
@@ -1196,7 +1196,7 @@
     </p:spTree>
     <p:extLst>
       <p:ext uri="{BB962C8B-B14F-4D97-AF65-F5344CB8AC3E}">
-        <p14:creationId xmlns:p14="http://schemas.microsoft.com/office/powerpoint/2010/main" val="1187821822"/>
+        <p14:creationId xmlns:p14="http://schemas.microsoft.com/office/powerpoint/2010/main" val="2728125965"/>
       </p:ext>
     </p:extLst>
   </p:cSld>
@@ -1228,7 +1228,7 @@
           <p:cNvPr id="2" name="标题 1">
             <a:extLst>
               <a:ext uri="{FF2B5EF4-FFF2-40B4-BE49-F238E27FC236}">
-                <a16:creationId xmlns:a16="http://schemas.microsoft.com/office/drawing/2014/main" id="{89EE6B2B-E243-AEDF-1ED3-0A98BC2F1DC0}"/>
+                <a16:creationId xmlns:a16="http://schemas.microsoft.com/office/drawing/2014/main" id="{33581F6C-8A74-3DBF-DDFB-73D3DD17F87D}"/>
               </a:ext>
             </a:extLst>
           </p:cNvPr>
@@ -1256,7 +1256,7 @@
           <p:cNvPr id="3" name="内容占位符 2">
             <a:extLst>
               <a:ext uri="{FF2B5EF4-FFF2-40B4-BE49-F238E27FC236}">
-                <a16:creationId xmlns:a16="http://schemas.microsoft.com/office/drawing/2014/main" id="{E3117EF4-8A7C-E7D0-CDC9-BDCCF05B44A5}"/>
+                <a16:creationId xmlns:a16="http://schemas.microsoft.com/office/drawing/2014/main" id="{6B82DC7A-39C0-E7E1-9F7B-54930CAAE5D3}"/>
               </a:ext>
             </a:extLst>
           </p:cNvPr>
@@ -1318,7 +1318,7 @@
           <p:cNvPr id="4" name="内容占位符 3">
             <a:extLst>
               <a:ext uri="{FF2B5EF4-FFF2-40B4-BE49-F238E27FC236}">
-                <a16:creationId xmlns:a16="http://schemas.microsoft.com/office/drawing/2014/main" id="{33BC6887-386C-F1D3-8D4A-298CD44A5E26}"/>
+                <a16:creationId xmlns:a16="http://schemas.microsoft.com/office/drawing/2014/main" id="{32DB171F-4F71-F068-8328-266FE0723AE2}"/>
               </a:ext>
             </a:extLst>
           </p:cNvPr>
@@ -1380,7 +1380,7 @@
           <p:cNvPr id="5" name="日期占位符 4">
             <a:extLst>
               <a:ext uri="{FF2B5EF4-FFF2-40B4-BE49-F238E27FC236}">
-                <a16:creationId xmlns:a16="http://schemas.microsoft.com/office/drawing/2014/main" id="{A7DBC757-4DB7-412D-A94E-F0AED852FD11}"/>
+                <a16:creationId xmlns:a16="http://schemas.microsoft.com/office/drawing/2014/main" id="{D212F073-4B20-9119-E4A9-0BBD7192C83A}"/>
               </a:ext>
             </a:extLst>
           </p:cNvPr>
@@ -1396,7 +1396,7 @@
           <a:bodyPr/>
           <a:lstStyle/>
           <a:p>
-            <a:fld id="{50434820-CA4A-4BEC-AFD9-15AD9B0EB6D5}" type="datetimeFigureOut">
+            <a:fld id="{82025CB0-7F1A-4BBB-8652-235BAB4B7304}" type="datetimeFigureOut">
               <a:rPr lang="zh-CN" altLang="en-US" smtClean="0"/>
               <a:t>2024/3/10</a:t>
             </a:fld>
@@ -1409,7 +1409,7 @@
           <p:cNvPr id="6" name="页脚占位符 5">
             <a:extLst>
               <a:ext uri="{FF2B5EF4-FFF2-40B4-BE49-F238E27FC236}">
-                <a16:creationId xmlns:a16="http://schemas.microsoft.com/office/drawing/2014/main" id="{087247AA-8BD6-175C-93A4-9CF3572B66A4}"/>
+                <a16:creationId xmlns:a16="http://schemas.microsoft.com/office/drawing/2014/main" id="{C7B36E1E-9175-ED59-696E-4C1ACA92D2A0}"/>
               </a:ext>
             </a:extLst>
           </p:cNvPr>
@@ -1434,7 +1434,7 @@
           <p:cNvPr id="7" name="灯片编号占位符 6">
             <a:extLst>
               <a:ext uri="{FF2B5EF4-FFF2-40B4-BE49-F238E27FC236}">
-                <a16:creationId xmlns:a16="http://schemas.microsoft.com/office/drawing/2014/main" id="{491FB972-D05D-E556-A6DF-EE8B784290A7}"/>
+                <a16:creationId xmlns:a16="http://schemas.microsoft.com/office/drawing/2014/main" id="{2BE5C727-3340-CD57-BC46-E421AAC91043}"/>
               </a:ext>
             </a:extLst>
           </p:cNvPr>
@@ -1450,7 +1450,7 @@
           <a:bodyPr/>
           <a:lstStyle/>
           <a:p>
-            <a:fld id="{8774E621-DED0-43DA-81E9-8A2BC005109C}" type="slidenum">
+            <a:fld id="{5BF8ADF8-1CC3-43BF-8C7D-D74A238886E3}" type="slidenum">
               <a:rPr lang="zh-CN" altLang="en-US" smtClean="0"/>
               <a:t>‹#›</a:t>
             </a:fld>
@@ -1461,7 +1461,7 @@
     </p:spTree>
     <p:extLst>
       <p:ext uri="{BB962C8B-B14F-4D97-AF65-F5344CB8AC3E}">
-        <p14:creationId xmlns:p14="http://schemas.microsoft.com/office/powerpoint/2010/main" val="1904811848"/>
+        <p14:creationId xmlns:p14="http://schemas.microsoft.com/office/powerpoint/2010/main" val="2447696509"/>
       </p:ext>
     </p:extLst>
   </p:cSld>
@@ -1493,7 +1493,7 @@
           <p:cNvPr id="2" name="标题 1">
             <a:extLst>
               <a:ext uri="{FF2B5EF4-FFF2-40B4-BE49-F238E27FC236}">
-                <a16:creationId xmlns:a16="http://schemas.microsoft.com/office/drawing/2014/main" id="{5BD3376A-8F11-EE31-924A-394D2D173640}"/>
+                <a16:creationId xmlns:a16="http://schemas.microsoft.com/office/drawing/2014/main" id="{6A4A8CB8-4168-AEC6-6826-C8F0366CE8F8}"/>
               </a:ext>
             </a:extLst>
           </p:cNvPr>
@@ -1526,7 +1526,7 @@
           <p:cNvPr id="3" name="文本占位符 2">
             <a:extLst>
               <a:ext uri="{FF2B5EF4-FFF2-40B4-BE49-F238E27FC236}">
-                <a16:creationId xmlns:a16="http://schemas.microsoft.com/office/drawing/2014/main" id="{C53855FB-B55F-2D01-5FDF-31568095AE58}"/>
+                <a16:creationId xmlns:a16="http://schemas.microsoft.com/office/drawing/2014/main" id="{C5AD8A7A-C180-A432-C28E-29637BFF7E71}"/>
               </a:ext>
             </a:extLst>
           </p:cNvPr>
@@ -1597,7 +1597,7 @@
           <p:cNvPr id="4" name="内容占位符 3">
             <a:extLst>
               <a:ext uri="{FF2B5EF4-FFF2-40B4-BE49-F238E27FC236}">
-                <a16:creationId xmlns:a16="http://schemas.microsoft.com/office/drawing/2014/main" id="{D77B059B-73E5-DC12-88B8-EA985AF42B54}"/>
+                <a16:creationId xmlns:a16="http://schemas.microsoft.com/office/drawing/2014/main" id="{21CC849C-4D02-E6D5-A64A-561CCF832132}"/>
               </a:ext>
             </a:extLst>
           </p:cNvPr>
@@ -1659,7 +1659,7 @@
           <p:cNvPr id="5" name="文本占位符 4">
             <a:extLst>
               <a:ext uri="{FF2B5EF4-FFF2-40B4-BE49-F238E27FC236}">
-                <a16:creationId xmlns:a16="http://schemas.microsoft.com/office/drawing/2014/main" id="{858B28DD-5E1D-429D-1BF2-668FF259E355}"/>
+                <a16:creationId xmlns:a16="http://schemas.microsoft.com/office/drawing/2014/main" id="{6D6487A9-E317-9EAE-1634-BD8DAC5E6BC9}"/>
               </a:ext>
             </a:extLst>
           </p:cNvPr>
@@ -1730,7 +1730,7 @@
           <p:cNvPr id="6" name="内容占位符 5">
             <a:extLst>
               <a:ext uri="{FF2B5EF4-FFF2-40B4-BE49-F238E27FC236}">
-                <a16:creationId xmlns:a16="http://schemas.microsoft.com/office/drawing/2014/main" id="{918C376C-630E-5B6B-5D57-AFB139161628}"/>
+                <a16:creationId xmlns:a16="http://schemas.microsoft.com/office/drawing/2014/main" id="{382BE4B6-9A49-72B6-EA01-4AD5E430C6DD}"/>
               </a:ext>
             </a:extLst>
           </p:cNvPr>
@@ -1792,7 +1792,7 @@
           <p:cNvPr id="7" name="日期占位符 6">
             <a:extLst>
               <a:ext uri="{FF2B5EF4-FFF2-40B4-BE49-F238E27FC236}">
-                <a16:creationId xmlns:a16="http://schemas.microsoft.com/office/drawing/2014/main" id="{CB2D3DC8-D353-B709-F632-F30F1E58A6CC}"/>
+                <a16:creationId xmlns:a16="http://schemas.microsoft.com/office/drawing/2014/main" id="{65267D82-B8E3-9AE2-400D-8080B9433E7B}"/>
               </a:ext>
             </a:extLst>
           </p:cNvPr>
@@ -1808,7 +1808,7 @@
           <a:bodyPr/>
           <a:lstStyle/>
           <a:p>
-            <a:fld id="{50434820-CA4A-4BEC-AFD9-15AD9B0EB6D5}" type="datetimeFigureOut">
+            <a:fld id="{82025CB0-7F1A-4BBB-8652-235BAB4B7304}" type="datetimeFigureOut">
               <a:rPr lang="zh-CN" altLang="en-US" smtClean="0"/>
               <a:t>2024/3/10</a:t>
             </a:fld>
@@ -1821,7 +1821,7 @@
           <p:cNvPr id="8" name="页脚占位符 7">
             <a:extLst>
               <a:ext uri="{FF2B5EF4-FFF2-40B4-BE49-F238E27FC236}">
-                <a16:creationId xmlns:a16="http://schemas.microsoft.com/office/drawing/2014/main" id="{9FF2257E-FCC8-3112-9323-E4C29CE976D2}"/>
+                <a16:creationId xmlns:a16="http://schemas.microsoft.com/office/drawing/2014/main" id="{ADA3B243-CED6-57BB-997F-6B56710C99F3}"/>
               </a:ext>
             </a:extLst>
           </p:cNvPr>
@@ -1846,7 +1846,7 @@
           <p:cNvPr id="9" name="灯片编号占位符 8">
             <a:extLst>
               <a:ext uri="{FF2B5EF4-FFF2-40B4-BE49-F238E27FC236}">
-                <a16:creationId xmlns:a16="http://schemas.microsoft.com/office/drawing/2014/main" id="{CCBB7243-A0B6-20DE-1DE8-423A45B0DEEC}"/>
+                <a16:creationId xmlns:a16="http://schemas.microsoft.com/office/drawing/2014/main" id="{6C51ABFE-2713-3E65-2D45-207E11E9452B}"/>
               </a:ext>
             </a:extLst>
           </p:cNvPr>
@@ -1862,7 +1862,7 @@
           <a:bodyPr/>
           <a:lstStyle/>
           <a:p>
-            <a:fld id="{8774E621-DED0-43DA-81E9-8A2BC005109C}" type="slidenum">
+            <a:fld id="{5BF8ADF8-1CC3-43BF-8C7D-D74A238886E3}" type="slidenum">
               <a:rPr lang="zh-CN" altLang="en-US" smtClean="0"/>
               <a:t>‹#›</a:t>
             </a:fld>
@@ -1873,7 +1873,7 @@
     </p:spTree>
     <p:extLst>
       <p:ext uri="{BB962C8B-B14F-4D97-AF65-F5344CB8AC3E}">
-        <p14:creationId xmlns:p14="http://schemas.microsoft.com/office/powerpoint/2010/main" val="3334042464"/>
+        <p14:creationId xmlns:p14="http://schemas.microsoft.com/office/powerpoint/2010/main" val="4273914478"/>
       </p:ext>
     </p:extLst>
   </p:cSld>
@@ -1905,7 +1905,7 @@
           <p:cNvPr id="2" name="标题 1">
             <a:extLst>
               <a:ext uri="{FF2B5EF4-FFF2-40B4-BE49-F238E27FC236}">
-                <a16:creationId xmlns:a16="http://schemas.microsoft.com/office/drawing/2014/main" id="{34447AEC-27C8-DD77-8B89-2DB5E35AC1F5}"/>
+                <a16:creationId xmlns:a16="http://schemas.microsoft.com/office/drawing/2014/main" id="{CC15157F-AE4F-9CF5-B604-E0BCE46360E2}"/>
               </a:ext>
             </a:extLst>
           </p:cNvPr>
@@ -1933,7 +1933,7 @@
           <p:cNvPr id="3" name="日期占位符 2">
             <a:extLst>
               <a:ext uri="{FF2B5EF4-FFF2-40B4-BE49-F238E27FC236}">
-                <a16:creationId xmlns:a16="http://schemas.microsoft.com/office/drawing/2014/main" id="{A0675254-ED4E-BDB1-2C5A-DE75B19D898B}"/>
+                <a16:creationId xmlns:a16="http://schemas.microsoft.com/office/drawing/2014/main" id="{D8459B95-3402-B194-997C-0A1E1261CDEA}"/>
               </a:ext>
             </a:extLst>
           </p:cNvPr>
@@ -1949,7 +1949,7 @@
           <a:bodyPr/>
           <a:lstStyle/>
           <a:p>
-            <a:fld id="{50434820-CA4A-4BEC-AFD9-15AD9B0EB6D5}" type="datetimeFigureOut">
+            <a:fld id="{82025CB0-7F1A-4BBB-8652-235BAB4B7304}" type="datetimeFigureOut">
               <a:rPr lang="zh-CN" altLang="en-US" smtClean="0"/>
               <a:t>2024/3/10</a:t>
             </a:fld>
@@ -1962,7 +1962,7 @@
           <p:cNvPr id="4" name="页脚占位符 3">
             <a:extLst>
               <a:ext uri="{FF2B5EF4-FFF2-40B4-BE49-F238E27FC236}">
-                <a16:creationId xmlns:a16="http://schemas.microsoft.com/office/drawing/2014/main" id="{E601BBEA-6299-EC52-8853-09EFFD256308}"/>
+                <a16:creationId xmlns:a16="http://schemas.microsoft.com/office/drawing/2014/main" id="{1C4BEF52-DF69-97F2-F195-88B3D5A3A155}"/>
               </a:ext>
             </a:extLst>
           </p:cNvPr>
@@ -1987,7 +1987,7 @@
           <p:cNvPr id="5" name="灯片编号占位符 4">
             <a:extLst>
               <a:ext uri="{FF2B5EF4-FFF2-40B4-BE49-F238E27FC236}">
-                <a16:creationId xmlns:a16="http://schemas.microsoft.com/office/drawing/2014/main" id="{F9CE8846-8FB4-F612-EE88-78F72033BB6C}"/>
+                <a16:creationId xmlns:a16="http://schemas.microsoft.com/office/drawing/2014/main" id="{DED62D28-F859-BCF4-9474-6F5C98616353}"/>
               </a:ext>
             </a:extLst>
           </p:cNvPr>
@@ -2003,7 +2003,7 @@
           <a:bodyPr/>
           <a:lstStyle/>
           <a:p>
-            <a:fld id="{8774E621-DED0-43DA-81E9-8A2BC005109C}" type="slidenum">
+            <a:fld id="{5BF8ADF8-1CC3-43BF-8C7D-D74A238886E3}" type="slidenum">
               <a:rPr lang="zh-CN" altLang="en-US" smtClean="0"/>
               <a:t>‹#›</a:t>
             </a:fld>
@@ -2014,7 +2014,7 @@
     </p:spTree>
     <p:extLst>
       <p:ext uri="{BB962C8B-B14F-4D97-AF65-F5344CB8AC3E}">
-        <p14:creationId xmlns:p14="http://schemas.microsoft.com/office/powerpoint/2010/main" val="2144407735"/>
+        <p14:creationId xmlns:p14="http://schemas.microsoft.com/office/powerpoint/2010/main" val="2116666797"/>
       </p:ext>
     </p:extLst>
   </p:cSld>
@@ -2046,7 +2046,7 @@
           <p:cNvPr id="2" name="日期占位符 1">
             <a:extLst>
               <a:ext uri="{FF2B5EF4-FFF2-40B4-BE49-F238E27FC236}">
-                <a16:creationId xmlns:a16="http://schemas.microsoft.com/office/drawing/2014/main" id="{CCC95263-4A79-29FF-6A66-233147FB4BA2}"/>
+                <a16:creationId xmlns:a16="http://schemas.microsoft.com/office/drawing/2014/main" id="{A8AD1314-45F2-2A57-3200-620C5C53D201}"/>
               </a:ext>
             </a:extLst>
           </p:cNvPr>
@@ -2062,7 +2062,7 @@
           <a:bodyPr/>
           <a:lstStyle/>
           <a:p>
-            <a:fld id="{50434820-CA4A-4BEC-AFD9-15AD9B0EB6D5}" type="datetimeFigureOut">
+            <a:fld id="{82025CB0-7F1A-4BBB-8652-235BAB4B7304}" type="datetimeFigureOut">
               <a:rPr lang="zh-CN" altLang="en-US" smtClean="0"/>
               <a:t>2024/3/10</a:t>
             </a:fld>
@@ -2075,7 +2075,7 @@
           <p:cNvPr id="3" name="页脚占位符 2">
             <a:extLst>
               <a:ext uri="{FF2B5EF4-FFF2-40B4-BE49-F238E27FC236}">
-                <a16:creationId xmlns:a16="http://schemas.microsoft.com/office/drawing/2014/main" id="{2B58AB58-9693-E287-D02E-F49D8EC95E90}"/>
+                <a16:creationId xmlns:a16="http://schemas.microsoft.com/office/drawing/2014/main" id="{39C097C5-F37B-23ED-CDA5-1876AFF5BCB0}"/>
               </a:ext>
             </a:extLst>
           </p:cNvPr>
@@ -2100,7 +2100,7 @@
           <p:cNvPr id="4" name="灯片编号占位符 3">
             <a:extLst>
               <a:ext uri="{FF2B5EF4-FFF2-40B4-BE49-F238E27FC236}">
-                <a16:creationId xmlns:a16="http://schemas.microsoft.com/office/drawing/2014/main" id="{9B79AC31-0856-8E9A-ACAF-3E7F0DC427E1}"/>
+                <a16:creationId xmlns:a16="http://schemas.microsoft.com/office/drawing/2014/main" id="{C1EAF19A-0D92-0706-39C1-F605D4CED351}"/>
               </a:ext>
             </a:extLst>
           </p:cNvPr>
@@ -2116,7 +2116,7 @@
           <a:bodyPr/>
           <a:lstStyle/>
           <a:p>
-            <a:fld id="{8774E621-DED0-43DA-81E9-8A2BC005109C}" type="slidenum">
+            <a:fld id="{5BF8ADF8-1CC3-43BF-8C7D-D74A238886E3}" type="slidenum">
               <a:rPr lang="zh-CN" altLang="en-US" smtClean="0"/>
               <a:t>‹#›</a:t>
             </a:fld>
@@ -2127,7 +2127,7 @@
     </p:spTree>
     <p:extLst>
       <p:ext uri="{BB962C8B-B14F-4D97-AF65-F5344CB8AC3E}">
-        <p14:creationId xmlns:p14="http://schemas.microsoft.com/office/powerpoint/2010/main" val="208424143"/>
+        <p14:creationId xmlns:p14="http://schemas.microsoft.com/office/powerpoint/2010/main" val="1079904831"/>
       </p:ext>
     </p:extLst>
   </p:cSld>
@@ -2159,7 +2159,7 @@
           <p:cNvPr id="2" name="标题 1">
             <a:extLst>
               <a:ext uri="{FF2B5EF4-FFF2-40B4-BE49-F238E27FC236}">
-                <a16:creationId xmlns:a16="http://schemas.microsoft.com/office/drawing/2014/main" id="{217CB37D-227F-E81F-8BEA-253A0339DFE4}"/>
+                <a16:creationId xmlns:a16="http://schemas.microsoft.com/office/drawing/2014/main" id="{3E2E3FDC-85D5-0647-D2E7-DE07560778E7}"/>
               </a:ext>
             </a:extLst>
           </p:cNvPr>
@@ -2196,7 +2196,7 @@
           <p:cNvPr id="3" name="内容占位符 2">
             <a:extLst>
               <a:ext uri="{FF2B5EF4-FFF2-40B4-BE49-F238E27FC236}">
-                <a16:creationId xmlns:a16="http://schemas.microsoft.com/office/drawing/2014/main" id="{10CA76C4-BFE9-1380-3BAA-FA2FA6DB4E79}"/>
+                <a16:creationId xmlns:a16="http://schemas.microsoft.com/office/drawing/2014/main" id="{B2BA5BD7-1752-D298-2718-2BF7505BC245}"/>
               </a:ext>
             </a:extLst>
           </p:cNvPr>
@@ -2286,7 +2286,7 @@
           <p:cNvPr id="4" name="文本占位符 3">
             <a:extLst>
               <a:ext uri="{FF2B5EF4-FFF2-40B4-BE49-F238E27FC236}">
-                <a16:creationId xmlns:a16="http://schemas.microsoft.com/office/drawing/2014/main" id="{A329459C-C804-8CA9-9801-62D67A87A1FA}"/>
+                <a16:creationId xmlns:a16="http://schemas.microsoft.com/office/drawing/2014/main" id="{E3FA5A9A-4721-C65C-2B03-79AAE11B4C5F}"/>
               </a:ext>
             </a:extLst>
           </p:cNvPr>
@@ -2357,7 +2357,7 @@
           <p:cNvPr id="5" name="日期占位符 4">
             <a:extLst>
               <a:ext uri="{FF2B5EF4-FFF2-40B4-BE49-F238E27FC236}">
-                <a16:creationId xmlns:a16="http://schemas.microsoft.com/office/drawing/2014/main" id="{D7E0ECAD-6AAD-EBD4-AA8A-A600E69DB723}"/>
+                <a16:creationId xmlns:a16="http://schemas.microsoft.com/office/drawing/2014/main" id="{989107F1-1C73-886E-6467-494044251E82}"/>
               </a:ext>
             </a:extLst>
           </p:cNvPr>
@@ -2373,7 +2373,7 @@
           <a:bodyPr/>
           <a:lstStyle/>
           <a:p>
-            <a:fld id="{50434820-CA4A-4BEC-AFD9-15AD9B0EB6D5}" type="datetimeFigureOut">
+            <a:fld id="{82025CB0-7F1A-4BBB-8652-235BAB4B7304}" type="datetimeFigureOut">
               <a:rPr lang="zh-CN" altLang="en-US" smtClean="0"/>
               <a:t>2024/3/10</a:t>
             </a:fld>
@@ -2386,7 +2386,7 @@
           <p:cNvPr id="6" name="页脚占位符 5">
             <a:extLst>
               <a:ext uri="{FF2B5EF4-FFF2-40B4-BE49-F238E27FC236}">
-                <a16:creationId xmlns:a16="http://schemas.microsoft.com/office/drawing/2014/main" id="{B74BBC23-A204-E6E0-1AC0-A1EADEC36B4C}"/>
+                <a16:creationId xmlns:a16="http://schemas.microsoft.com/office/drawing/2014/main" id="{9BA41DBE-9205-82F8-F43E-CC2884FB1ACB}"/>
               </a:ext>
             </a:extLst>
           </p:cNvPr>
@@ -2411,7 +2411,7 @@
           <p:cNvPr id="7" name="灯片编号占位符 6">
             <a:extLst>
               <a:ext uri="{FF2B5EF4-FFF2-40B4-BE49-F238E27FC236}">
-                <a16:creationId xmlns:a16="http://schemas.microsoft.com/office/drawing/2014/main" id="{866E32E5-1C9B-DB39-4537-E73139CBB69D}"/>
+                <a16:creationId xmlns:a16="http://schemas.microsoft.com/office/drawing/2014/main" id="{652F5CBA-A22F-787C-AD30-0A969B241903}"/>
               </a:ext>
             </a:extLst>
           </p:cNvPr>
@@ -2427,7 +2427,7 @@
           <a:bodyPr/>
           <a:lstStyle/>
           <a:p>
-            <a:fld id="{8774E621-DED0-43DA-81E9-8A2BC005109C}" type="slidenum">
+            <a:fld id="{5BF8ADF8-1CC3-43BF-8C7D-D74A238886E3}" type="slidenum">
               <a:rPr lang="zh-CN" altLang="en-US" smtClean="0"/>
               <a:t>‹#›</a:t>
             </a:fld>
@@ -2438,7 +2438,7 @@
     </p:spTree>
     <p:extLst>
       <p:ext uri="{BB962C8B-B14F-4D97-AF65-F5344CB8AC3E}">
-        <p14:creationId xmlns:p14="http://schemas.microsoft.com/office/powerpoint/2010/main" val="4146701775"/>
+        <p14:creationId xmlns:p14="http://schemas.microsoft.com/office/powerpoint/2010/main" val="3555153150"/>
       </p:ext>
     </p:extLst>
   </p:cSld>
@@ -2470,7 +2470,7 @@
           <p:cNvPr id="2" name="标题 1">
             <a:extLst>
               <a:ext uri="{FF2B5EF4-FFF2-40B4-BE49-F238E27FC236}">
-                <a16:creationId xmlns:a16="http://schemas.microsoft.com/office/drawing/2014/main" id="{C87D92B3-F855-0365-4F70-3160B64F5316}"/>
+                <a16:creationId xmlns:a16="http://schemas.microsoft.com/office/drawing/2014/main" id="{786E7627-2C20-D620-3438-B29CA4E9C361}"/>
               </a:ext>
             </a:extLst>
           </p:cNvPr>
@@ -2507,7 +2507,7 @@
           <p:cNvPr id="3" name="图片占位符 2">
             <a:extLst>
               <a:ext uri="{FF2B5EF4-FFF2-40B4-BE49-F238E27FC236}">
-                <a16:creationId xmlns:a16="http://schemas.microsoft.com/office/drawing/2014/main" id="{8D580A7E-364F-71ED-D40B-0214205F612C}"/>
+                <a16:creationId xmlns:a16="http://schemas.microsoft.com/office/drawing/2014/main" id="{F8983A61-6108-5D07-7DED-DDE6D64AE92D}"/>
               </a:ext>
             </a:extLst>
           </p:cNvPr>
@@ -2574,7 +2574,7 @@
           <p:cNvPr id="4" name="文本占位符 3">
             <a:extLst>
               <a:ext uri="{FF2B5EF4-FFF2-40B4-BE49-F238E27FC236}">
-                <a16:creationId xmlns:a16="http://schemas.microsoft.com/office/drawing/2014/main" id="{ABBFD5FD-A2AB-64B2-EA81-4FFA1B525B52}"/>
+                <a16:creationId xmlns:a16="http://schemas.microsoft.com/office/drawing/2014/main" id="{79C91AE0-658A-8C69-F0F3-378BB3E801AA}"/>
               </a:ext>
             </a:extLst>
           </p:cNvPr>
@@ -2645,7 +2645,7 @@
           <p:cNvPr id="5" name="日期占位符 4">
             <a:extLst>
               <a:ext uri="{FF2B5EF4-FFF2-40B4-BE49-F238E27FC236}">
-                <a16:creationId xmlns:a16="http://schemas.microsoft.com/office/drawing/2014/main" id="{4DC7772D-77B1-FF86-7764-E4BB836E45D2}"/>
+                <a16:creationId xmlns:a16="http://schemas.microsoft.com/office/drawing/2014/main" id="{5BC7B7B8-4FEC-13B2-731A-97B7BEC8FF18}"/>
               </a:ext>
             </a:extLst>
           </p:cNvPr>
@@ -2661,7 +2661,7 @@
           <a:bodyPr/>
           <a:lstStyle/>
           <a:p>
-            <a:fld id="{50434820-CA4A-4BEC-AFD9-15AD9B0EB6D5}" type="datetimeFigureOut">
+            <a:fld id="{82025CB0-7F1A-4BBB-8652-235BAB4B7304}" type="datetimeFigureOut">
               <a:rPr lang="zh-CN" altLang="en-US" smtClean="0"/>
               <a:t>2024/3/10</a:t>
             </a:fld>
@@ -2674,7 +2674,7 @@
           <p:cNvPr id="6" name="页脚占位符 5">
             <a:extLst>
               <a:ext uri="{FF2B5EF4-FFF2-40B4-BE49-F238E27FC236}">
-                <a16:creationId xmlns:a16="http://schemas.microsoft.com/office/drawing/2014/main" id="{A1448C55-74A3-8276-67D3-5FD4AE9E67F4}"/>
+                <a16:creationId xmlns:a16="http://schemas.microsoft.com/office/drawing/2014/main" id="{A18C7BC1-2C1A-756D-1F4A-1AB8D47ECFE0}"/>
               </a:ext>
             </a:extLst>
           </p:cNvPr>
@@ -2699,7 +2699,7 @@
           <p:cNvPr id="7" name="灯片编号占位符 6">
             <a:extLst>
               <a:ext uri="{FF2B5EF4-FFF2-40B4-BE49-F238E27FC236}">
-                <a16:creationId xmlns:a16="http://schemas.microsoft.com/office/drawing/2014/main" id="{F486F4AA-6342-C785-1868-6F5084D2EC9C}"/>
+                <a16:creationId xmlns:a16="http://schemas.microsoft.com/office/drawing/2014/main" id="{D913555D-2452-97BF-1629-090C96268D6F}"/>
               </a:ext>
             </a:extLst>
           </p:cNvPr>
@@ -2715,7 +2715,7 @@
           <a:bodyPr/>
           <a:lstStyle/>
           <a:p>
-            <a:fld id="{8774E621-DED0-43DA-81E9-8A2BC005109C}" type="slidenum">
+            <a:fld id="{5BF8ADF8-1CC3-43BF-8C7D-D74A238886E3}" type="slidenum">
               <a:rPr lang="zh-CN" altLang="en-US" smtClean="0"/>
               <a:t>‹#›</a:t>
             </a:fld>
@@ -2726,7 +2726,7 @@
     </p:spTree>
     <p:extLst>
       <p:ext uri="{BB962C8B-B14F-4D97-AF65-F5344CB8AC3E}">
-        <p14:creationId xmlns:p14="http://schemas.microsoft.com/office/powerpoint/2010/main" val="808293141"/>
+        <p14:creationId xmlns:p14="http://schemas.microsoft.com/office/powerpoint/2010/main" val="3062818335"/>
       </p:ext>
     </p:extLst>
   </p:cSld>
@@ -2763,7 +2763,7 @@
           <p:cNvPr id="2" name="标题占位符 1">
             <a:extLst>
               <a:ext uri="{FF2B5EF4-FFF2-40B4-BE49-F238E27FC236}">
-                <a16:creationId xmlns:a16="http://schemas.microsoft.com/office/drawing/2014/main" id="{58B71EAB-FA43-77BB-9E8D-A5709DAC66A0}"/>
+                <a16:creationId xmlns:a16="http://schemas.microsoft.com/office/drawing/2014/main" id="{7138434A-4D22-EF21-1168-97043F17B5EA}"/>
               </a:ext>
             </a:extLst>
           </p:cNvPr>
@@ -2801,7 +2801,7 @@
           <p:cNvPr id="3" name="文本占位符 2">
             <a:extLst>
               <a:ext uri="{FF2B5EF4-FFF2-40B4-BE49-F238E27FC236}">
-                <a16:creationId xmlns:a16="http://schemas.microsoft.com/office/drawing/2014/main" id="{02CDE901-4542-A4E9-35EF-4A6D5773253E}"/>
+                <a16:creationId xmlns:a16="http://schemas.microsoft.com/office/drawing/2014/main" id="{4411D2DE-8E69-E661-8D53-DA75B78A429F}"/>
               </a:ext>
             </a:extLst>
           </p:cNvPr>
@@ -2868,7 +2868,7 @@
           <p:cNvPr id="4" name="日期占位符 3">
             <a:extLst>
               <a:ext uri="{FF2B5EF4-FFF2-40B4-BE49-F238E27FC236}">
-                <a16:creationId xmlns:a16="http://schemas.microsoft.com/office/drawing/2014/main" id="{264CF30D-83C0-AFE8-252B-23D860578456}"/>
+                <a16:creationId xmlns:a16="http://schemas.microsoft.com/office/drawing/2014/main" id="{679F8BF5-B869-9A53-CE34-535774170F41}"/>
               </a:ext>
             </a:extLst>
           </p:cNvPr>
@@ -2902,7 +2902,7 @@
             </a:lvl1pPr>
           </a:lstStyle>
           <a:p>
-            <a:fld id="{50434820-CA4A-4BEC-AFD9-15AD9B0EB6D5}" type="datetimeFigureOut">
+            <a:fld id="{82025CB0-7F1A-4BBB-8652-235BAB4B7304}" type="datetimeFigureOut">
               <a:rPr lang="zh-CN" altLang="en-US" smtClean="0"/>
               <a:t>2024/3/10</a:t>
             </a:fld>
@@ -2915,7 +2915,7 @@
           <p:cNvPr id="5" name="页脚占位符 4">
             <a:extLst>
               <a:ext uri="{FF2B5EF4-FFF2-40B4-BE49-F238E27FC236}">
-                <a16:creationId xmlns:a16="http://schemas.microsoft.com/office/drawing/2014/main" id="{7C25FA6B-5540-B5F1-9E92-F36029FE40F0}"/>
+                <a16:creationId xmlns:a16="http://schemas.microsoft.com/office/drawing/2014/main" id="{2E3F7A1D-2F6E-FD8D-8E4C-47ED4D36BF41}"/>
               </a:ext>
             </a:extLst>
           </p:cNvPr>
@@ -2958,7 +2958,7 @@
           <p:cNvPr id="6" name="灯片编号占位符 5">
             <a:extLst>
               <a:ext uri="{FF2B5EF4-FFF2-40B4-BE49-F238E27FC236}">
-                <a16:creationId xmlns:a16="http://schemas.microsoft.com/office/drawing/2014/main" id="{E4F1B493-EF4A-840F-64ED-9BE5B38F0857}"/>
+                <a16:creationId xmlns:a16="http://schemas.microsoft.com/office/drawing/2014/main" id="{0DF87EC6-8CE2-9D67-EB05-9B02D78C130D}"/>
               </a:ext>
             </a:extLst>
           </p:cNvPr>
@@ -2992,7 +2992,7 @@
             </a:lvl1pPr>
           </a:lstStyle>
           <a:p>
-            <a:fld id="{8774E621-DED0-43DA-81E9-8A2BC005109C}" type="slidenum">
+            <a:fld id="{5BF8ADF8-1CC3-43BF-8C7D-D74A238886E3}" type="slidenum">
               <a:rPr lang="zh-CN" altLang="en-US" smtClean="0"/>
               <a:t>‹#›</a:t>
             </a:fld>
@@ -3003,7 +3003,7 @@
     </p:spTree>
     <p:extLst>
       <p:ext uri="{BB962C8B-B14F-4D97-AF65-F5344CB8AC3E}">
-        <p14:creationId xmlns:p14="http://schemas.microsoft.com/office/powerpoint/2010/main" val="2067604915"/>
+        <p14:creationId xmlns:p14="http://schemas.microsoft.com/office/powerpoint/2010/main" val="2948307353"/>
       </p:ext>
     </p:extLst>
   </p:cSld>
@@ -3323,7 +3323,7 @@
       </p:grpSpPr>
       <p:pic>
         <p:nvPicPr>
-          <p:cNvPr id="1506306" name="Picture 2" descr="1470"/>
+          <p:cNvPr id="1507330" name="Picture 2" descr="1471"/>
           <p:cNvPicPr>
             <a:picLocks noChangeAspect="1" noChangeArrowheads="1"/>
           </p:cNvPicPr>
@@ -3344,8 +3344,8 @@
         </p:blipFill>
         <p:spPr bwMode="auto">
           <a:xfrm>
-            <a:off x="1524000" y="0"/>
-            <a:ext cx="9144000" cy="4076700"/>
+            <a:off x="1500188" y="1588"/>
+            <a:ext cx="9131301" cy="6164262"/>
           </a:xfrm>
           <a:prstGeom prst="rect">
             <a:avLst/>
